--- a/Laravel/materi3/MVC.pptx
+++ b/Laravel/materi3/MVC.pptx
@@ -4681,7 +4681,7 @@
           <a:stretch/>
         </p:blipFill>
         <p:spPr bwMode="auto">
-          <a:xfrm rot="20242173" flipH="0" flipV="0">
+          <a:xfrm rot="20242172" flipH="0" flipV="0">
             <a:off x="9826393" y="-647733"/>
             <a:ext cx="2697138" cy="2697138"/>
           </a:xfrm>
@@ -4764,12 +4764,12 @@
   <mc:AlternateContent xmlns:mc="http://schemas.openxmlformats.org/markup-compatibility/2006">
     <mc:Choice xmlns:p159="http://schemas.microsoft.com/office/powerpoint/2015/09/main" xmlns:p14="http://schemas.microsoft.com/office/powerpoint/2010/main" Requires="p159">
       <p:transition spd="slow" p14:dur="2000" advClick="1">
-        <p159:morph option="byObject"/>
+        <p:push dir="l"/>
       </p:transition>
     </mc:Choice>
     <mc:Fallback>
       <p:transition spd="slow" advClick="1">
-        <p:fade/>
+        <p:push dir="l"/>
       </p:transition>
     </mc:Fallback>
   </mc:AlternateContent>
@@ -5077,6 +5077,28 @@
           </a:prstGeom>
         </p:spPr>
       </p:pic>
+      <p:pic>
+        <p:nvPicPr>
+          <p:cNvPr id="591185184" name=""/>
+          <p:cNvPicPr>
+            <a:picLocks noChangeAspect="1"/>
+          </p:cNvPicPr>
+          <p:nvPr/>
+        </p:nvPicPr>
+        <p:blipFill>
+          <a:blip r:embed="rId3"/>
+          <a:stretch/>
+        </p:blipFill>
+        <p:spPr bwMode="auto">
+          <a:xfrm rot="20242140" flipH="0" flipV="0">
+            <a:off x="-2313945" y="-647732"/>
+            <a:ext cx="2697138" cy="2697138"/>
+          </a:xfrm>
+          <a:prstGeom prst="rect">
+            <a:avLst/>
+          </a:prstGeom>
+        </p:spPr>
+      </p:pic>
     </p:spTree>
   </p:cSld>
   <p:clrMapOvr>
@@ -5085,12 +5107,12 @@
   <mc:AlternateContent xmlns:mc="http://schemas.openxmlformats.org/markup-compatibility/2006">
     <mc:Choice xmlns:p159="http://schemas.microsoft.com/office/powerpoint/2015/09/main" xmlns:p14="http://schemas.microsoft.com/office/powerpoint/2010/main" Requires="p159">
       <p:transition spd="slow" p14:dur="2000" advClick="1">
-        <p159:morph option="byObject"/>
+        <p:push dir="l"/>
       </p:transition>
     </mc:Choice>
     <mc:Fallback>
       <p:transition spd="slow" advClick="1">
-        <p:fade/>
+        <p:push dir="l"/>
       </p:transition>
     </mc:Fallback>
   </mc:AlternateContent>
@@ -5135,8 +5157,8 @@
           <a:stretch/>
         </p:blipFill>
         <p:spPr bwMode="auto">
-          <a:xfrm rot="20242174" flipH="0" flipV="0">
-            <a:off x="9953393" y="-661549"/>
+          <a:xfrm rot="20242173" flipH="0" flipV="0">
+            <a:off x="10066401" y="4246247"/>
             <a:ext cx="2697138" cy="2697138"/>
           </a:xfrm>
           <a:prstGeom prst="rect">
@@ -5217,7 +5239,7 @@
         <p:spPr bwMode="auto">
           <a:xfrm flipH="0" flipV="0">
             <a:off x="-14490" y="6054023"/>
-            <a:ext cx="12221057" cy="807201"/>
+            <a:ext cx="12221057" cy="807200"/>
           </a:xfrm>
           <a:prstGeom prst="rect">
             <a:avLst/>
@@ -5398,6 +5420,28 @@
           </a:prstGeom>
         </p:spPr>
       </p:pic>
+      <p:pic>
+        <p:nvPicPr>
+          <p:cNvPr id="296245083" name=""/>
+          <p:cNvPicPr>
+            <a:picLocks noChangeAspect="1"/>
+          </p:cNvPicPr>
+          <p:nvPr/>
+        </p:nvPicPr>
+        <p:blipFill>
+          <a:blip r:embed="rId3"/>
+          <a:stretch/>
+        </p:blipFill>
+        <p:spPr bwMode="auto">
+          <a:xfrm rot="20242174" flipH="0" flipV="0">
+            <a:off x="-2122368" y="-580829"/>
+            <a:ext cx="2697138" cy="2697138"/>
+          </a:xfrm>
+          <a:prstGeom prst="rect">
+            <a:avLst/>
+          </a:prstGeom>
+        </p:spPr>
+      </p:pic>
     </p:spTree>
   </p:cSld>
   <p:clrMapOvr>
@@ -5406,12 +5450,12 @@
   <mc:AlternateContent xmlns:mc="http://schemas.openxmlformats.org/markup-compatibility/2006">
     <mc:Choice xmlns:p159="http://schemas.microsoft.com/office/powerpoint/2015/09/main" xmlns:p14="http://schemas.microsoft.com/office/powerpoint/2010/main" Requires="p159">
       <p:transition spd="slow" p14:dur="2000" advClick="1">
-        <p159:morph option="byObject"/>
+        <p:push dir="l"/>
       </p:transition>
     </mc:Choice>
     <mc:Fallback>
       <p:transition spd="slow" advClick="1">
-        <p:fade/>
+        <p:push dir="l"/>
       </p:transition>
     </mc:Fallback>
   </mc:AlternateContent>
@@ -5456,7 +5500,7 @@
           <a:stretch/>
         </p:blipFill>
         <p:spPr bwMode="auto">
-          <a:xfrm rot="20242174" flipH="0" flipV="0">
+          <a:xfrm rot="20242173" flipH="0" flipV="0">
             <a:off x="9953393" y="-661549"/>
             <a:ext cx="2697138" cy="2697138"/>
           </a:xfrm>
@@ -5538,7 +5582,7 @@
         <p:spPr bwMode="auto">
           <a:xfrm flipH="0" flipV="0">
             <a:off x="-14490" y="6054023"/>
-            <a:ext cx="12221057" cy="807201"/>
+            <a:ext cx="12221057" cy="807200"/>
           </a:xfrm>
           <a:prstGeom prst="rect">
             <a:avLst/>
@@ -5619,7 +5663,7 @@
         <p:spPr bwMode="auto">
           <a:xfrm rot="0" flipH="0" flipV="0">
             <a:off x="751041" y="523019"/>
-            <a:ext cx="4740314" cy="1189080"/>
+            <a:ext cx="4740313" cy="1189080"/>
           </a:xfrm>
           <a:prstGeom prst="rect">
             <a:avLst/>
@@ -5719,6 +5763,50 @@
           </a:prstGeom>
         </p:spPr>
       </p:pic>
+      <p:pic>
+        <p:nvPicPr>
+          <p:cNvPr id="2078314757" name=""/>
+          <p:cNvPicPr>
+            <a:picLocks noChangeAspect="1"/>
+          </p:cNvPicPr>
+          <p:nvPr/>
+        </p:nvPicPr>
+        <p:blipFill>
+          <a:blip r:embed="rId3"/>
+          <a:stretch/>
+        </p:blipFill>
+        <p:spPr bwMode="auto">
+          <a:xfrm rot="20242140" flipH="0" flipV="0">
+            <a:off x="-2169605" y="4246246"/>
+            <a:ext cx="2697138" cy="2697138"/>
+          </a:xfrm>
+          <a:prstGeom prst="rect">
+            <a:avLst/>
+          </a:prstGeom>
+        </p:spPr>
+      </p:pic>
+      <p:pic>
+        <p:nvPicPr>
+          <p:cNvPr id="1413273254" name=""/>
+          <p:cNvPicPr>
+            <a:picLocks noChangeAspect="1"/>
+          </p:cNvPicPr>
+          <p:nvPr/>
+        </p:nvPicPr>
+        <p:blipFill>
+          <a:blip r:embed="rId3"/>
+          <a:stretch/>
+        </p:blipFill>
+        <p:spPr bwMode="auto">
+          <a:xfrm rot="737396" flipH="0" flipV="0">
+            <a:off x="11476034" y="5007078"/>
+            <a:ext cx="2697138" cy="2697138"/>
+          </a:xfrm>
+          <a:prstGeom prst="rect">
+            <a:avLst/>
+          </a:prstGeom>
+        </p:spPr>
+      </p:pic>
     </p:spTree>
   </p:cSld>
   <p:clrMapOvr>
@@ -5727,12 +5815,12 @@
   <mc:AlternateContent xmlns:mc="http://schemas.openxmlformats.org/markup-compatibility/2006">
     <mc:Choice xmlns:p159="http://schemas.microsoft.com/office/powerpoint/2015/09/main" xmlns:p14="http://schemas.microsoft.com/office/powerpoint/2010/main" Requires="p159">
       <p:transition spd="slow" p14:dur="2000" advClick="1">
-        <p159:morph option="byObject"/>
+        <p:push dir="l"/>
       </p:transition>
     </mc:Choice>
     <mc:Fallback>
       <p:transition spd="slow" advClick="1">
-        <p:fade/>
+        <p:push dir="l"/>
       </p:transition>
     </mc:Fallback>
   </mc:AlternateContent>
@@ -5838,7 +5926,7 @@
         <p:spPr bwMode="auto">
           <a:xfrm flipH="0" flipV="0">
             <a:off x="-14490" y="6054023"/>
-            <a:ext cx="12221057" cy="807201"/>
+            <a:ext cx="12221057" cy="807200"/>
           </a:xfrm>
           <a:prstGeom prst="rect">
             <a:avLst/>
@@ -6027,7 +6115,7 @@
           <p:nvPr/>
         </p:nvSpPr>
         <p:spPr bwMode="auto">
-          <a:xfrm rot="10799990" flipH="0" flipV="0">
+          <a:xfrm rot="10799989" flipH="0" flipV="0">
             <a:off x="3287749" y="2571750"/>
             <a:ext cx="1904999" cy="1714500"/>
           </a:xfrm>
@@ -6071,7 +6159,7 @@
           <p:nvPr/>
         </p:nvSpPr>
         <p:spPr bwMode="auto">
-          <a:xfrm rot="5399978" flipH="1" flipV="1">
+          <a:xfrm rot="5399977" flipH="1" flipV="1">
             <a:off x="7074582" y="2571750"/>
             <a:ext cx="1904999" cy="1714500"/>
           </a:xfrm>
@@ -6182,7 +6270,7 @@
         </p:nvSpPr>
         <p:spPr bwMode="auto">
           <a:xfrm flipH="0" flipV="0">
-            <a:off x="5037381" y="4567848"/>
+            <a:off x="5037380" y="4567848"/>
             <a:ext cx="310735" cy="366119"/>
           </a:xfrm>
           <a:prstGeom prst="rect">
@@ -6302,6 +6390,28 @@
           </a:p>
         </p:txBody>
       </p:sp>
+      <p:pic>
+        <p:nvPicPr>
+          <p:cNvPr id="705014667" name=""/>
+          <p:cNvPicPr>
+            <a:picLocks noChangeAspect="1"/>
+          </p:cNvPicPr>
+          <p:nvPr/>
+        </p:nvPicPr>
+        <p:blipFill>
+          <a:blip r:embed="rId3"/>
+          <a:stretch/>
+        </p:blipFill>
+        <p:spPr bwMode="auto">
+          <a:xfrm rot="20242140" flipH="0" flipV="0">
+            <a:off x="-2206055" y="-661548"/>
+            <a:ext cx="2697138" cy="2697138"/>
+          </a:xfrm>
+          <a:prstGeom prst="rect">
+            <a:avLst/>
+          </a:prstGeom>
+        </p:spPr>
+      </p:pic>
     </p:spTree>
   </p:cSld>
   <p:clrMapOvr>
@@ -6310,12 +6420,12 @@
   <mc:AlternateContent xmlns:mc="http://schemas.openxmlformats.org/markup-compatibility/2006">
     <mc:Choice xmlns:p159="http://schemas.microsoft.com/office/powerpoint/2015/09/main" xmlns:p14="http://schemas.microsoft.com/office/powerpoint/2010/main" Requires="p159">
       <p:transition spd="slow" p14:dur="2000" advClick="1">
-        <p159:morph option="byObject"/>
+        <p:push dir="l"/>
       </p:transition>
     </mc:Choice>
     <mc:Fallback>
       <p:transition spd="slow" advClick="1">
-        <p:fade/>
+        <p:push dir="l"/>
       </p:transition>
     </mc:Fallback>
   </mc:AlternateContent>
